--- a/docs/CodeGenAgentPresentation.pptx
+++ b/docs/CodeGenAgentPresentation.pptx
@@ -4182,8 +4182,8 @@
         </p:nvSpPr>
         <p:spPr>
           <a:xfrm>
-            <a:off x="986118" y="735106"/>
-            <a:ext cx="7540322" cy="2928470"/>
+            <a:off x="499274" y="735106"/>
+            <a:ext cx="8479236" cy="2928470"/>
           </a:xfrm>
         </p:spPr>
         <p:txBody>
@@ -4199,7 +4199,7 @@
                   <a:srgbClr val="FFFFFF"/>
                 </a:solidFill>
               </a:rPr>
-              <a:t>C# Code Generation Agent</a:t>
+              <a:t>Building a Simple AI Agent</a:t>
             </a:r>
           </a:p>
         </p:txBody>
@@ -4229,7 +4229,7 @@
             <a:pPr algn="l"/>
             <a:r>
               <a:rPr lang="en-US" dirty="0"/>
-              <a:t>A basic agentic system for automating code generation, unit testing, and documentation with Azure OpenAI</a:t>
+              <a:t>A simple agentic system for automating code generation, unit testing, and documentation with Azure OpenAI</a:t>
             </a:r>
           </a:p>
         </p:txBody>
@@ -5175,7 +5175,7 @@
             </a:pPr>
             <a:r>
               <a:rPr lang="en-US" sz="4000" dirty="0"/>
-              <a:t>AI agent is a program, or a system designed to act autonomously to achieve a certain goal(s).</a:t>
+              <a:t>AI agent is a program, or a system designed to act autonomously to achieve a certain goal</a:t>
             </a:r>
           </a:p>
           <a:p>
@@ -5826,7 +5826,7 @@
             </a:r>
             <a:r>
               <a:rPr lang="en-US" dirty="0"/>
-              <a:t>does This Demo </a:t>
+              <a:t>Does The Demo </a:t>
             </a:r>
             <a:r>
               <a:rPr dirty="0"/>
@@ -5834,7 +5834,7 @@
             </a:r>
             <a:r>
               <a:rPr lang="en-US" dirty="0"/>
-              <a:t>d</a:t>
+              <a:t>D</a:t>
             </a:r>
             <a:r>
               <a:rPr dirty="0"/>
@@ -6610,7 +6610,7 @@
                 <a:ea typeface="+mj-ea"/>
                 <a:cs typeface="+mj-cs"/>
               </a:rPr>
-              <a:t>Orchestrator</a:t>
+              <a:t>Code Gen Orchestrator</a:t>
             </a:r>
           </a:p>
         </p:txBody>
